--- a/DomManipulationContinued/DomManipulationContinued.pptx
+++ b/DomManipulationContinued/DomManipulationContinued.pptx
@@ -216,7 +216,7 @@
           <a:p>
             <a:fld id="{19104133-B5B0-4351-8158-4F0E5EB1E2BF}" type="datetimeFigureOut">
               <a:rPr lang="en-US" smtClean="0"/>
-              <a:t>9/7/2022</a:t>
+              <a:t>9/4/2024</a:t>
             </a:fld>
             <a:endParaRPr lang="en-US"/>
           </a:p>
@@ -1588,7 +1588,7 @@
             <a:fld id="{1C2D31DE-C454-491C-B5C3-F097855E3DF7}" type="datetime4">
               <a:rPr lang="en-US" smtClean="0"/>
               <a:pPr/>
-              <a:t>September 7, 2022</a:t>
+              <a:t>September 4, 2024</a:t>
             </a:fld>
             <a:endParaRPr lang="en-US" dirty="0"/>
           </a:p>
@@ -4980,7 +4980,7 @@
           <a:p>
             <a:fld id="{5958763E-B898-436D-883D-03711491D54A}" type="datetimeFigureOut">
               <a:rPr lang="en-US" smtClean="0"/>
-              <a:t>9/7/2022</a:t>
+              <a:t>9/4/2024</a:t>
             </a:fld>
             <a:endParaRPr lang="en-US"/>
           </a:p>
@@ -5173,7 +5173,7 @@
           <a:p>
             <a:fld id="{5958763E-B898-436D-883D-03711491D54A}" type="datetimeFigureOut">
               <a:rPr lang="en-US" smtClean="0"/>
-              <a:t>9/7/2022</a:t>
+              <a:t>9/4/2024</a:t>
             </a:fld>
             <a:endParaRPr lang="en-US"/>
           </a:p>
@@ -5423,7 +5423,7 @@
           <a:p>
             <a:fld id="{5958763E-B898-436D-883D-03711491D54A}" type="datetimeFigureOut">
               <a:rPr lang="en-US" smtClean="0"/>
-              <a:t>9/7/2022</a:t>
+              <a:t>9/4/2024</a:t>
             </a:fld>
             <a:endParaRPr lang="en-US"/>
           </a:p>
@@ -5771,7 +5771,7 @@
           <a:p>
             <a:fld id="{5958763E-B898-436D-883D-03711491D54A}" type="datetimeFigureOut">
               <a:rPr lang="en-US" smtClean="0"/>
-              <a:t>9/7/2022</a:t>
+              <a:t>9/4/2024</a:t>
             </a:fld>
             <a:endParaRPr lang="en-US"/>
           </a:p>
@@ -6187,7 +6187,7 @@
           <a:p>
             <a:fld id="{5958763E-B898-436D-883D-03711491D54A}" type="datetimeFigureOut">
               <a:rPr lang="en-US" smtClean="0"/>
-              <a:t>9/7/2022</a:t>
+              <a:t>9/4/2024</a:t>
             </a:fld>
             <a:endParaRPr lang="en-US"/>
           </a:p>
@@ -6688,7 +6688,7 @@
           <a:p>
             <a:fld id="{5958763E-B898-436D-883D-03711491D54A}" type="datetimeFigureOut">
               <a:rPr lang="en-US" smtClean="0"/>
-              <a:t>9/7/2022</a:t>
+              <a:t>9/4/2024</a:t>
             </a:fld>
             <a:endParaRPr lang="en-US"/>
           </a:p>
@@ -7139,7 +7139,7 @@
           <a:p>
             <a:fld id="{5958763E-B898-436D-883D-03711491D54A}" type="datetimeFigureOut">
               <a:rPr lang="en-US" smtClean="0"/>
-              <a:t>9/7/2022</a:t>
+              <a:t>9/4/2024</a:t>
             </a:fld>
             <a:endParaRPr lang="en-US"/>
           </a:p>
@@ -7750,7 +7750,7 @@
           <a:p>
             <a:fld id="{5958763E-B898-436D-883D-03711491D54A}" type="datetimeFigureOut">
               <a:rPr lang="en-US" smtClean="0"/>
-              <a:t>9/7/2022</a:t>
+              <a:t>9/4/2024</a:t>
             </a:fld>
             <a:endParaRPr lang="en-US"/>
           </a:p>
@@ -8521,7 +8521,7 @@
           <a:p>
             <a:fld id="{5958763E-B898-436D-883D-03711491D54A}" type="datetimeFigureOut">
               <a:rPr lang="en-US" smtClean="0"/>
-              <a:t>9/7/2022</a:t>
+              <a:t>9/4/2024</a:t>
             </a:fld>
             <a:endParaRPr lang="en-US"/>
           </a:p>
@@ -8625,7 +8625,7 @@
           <a:p>
             <a:fld id="{5958763E-B898-436D-883D-03711491D54A}" type="datetimeFigureOut">
               <a:rPr lang="en-US" smtClean="0"/>
-              <a:t>9/7/2022</a:t>
+              <a:t>9/4/2024</a:t>
             </a:fld>
             <a:endParaRPr lang="en-US"/>
           </a:p>
@@ -8952,7 +8952,7 @@
             <a:fld id="{1C2D31DE-C454-491C-B5C3-F097855E3DF7}" type="datetime4">
               <a:rPr lang="en-US" smtClean="0"/>
               <a:pPr/>
-              <a:t>September 7, 2022</a:t>
+              <a:t>September 4, 2024</a:t>
             </a:fld>
             <a:endParaRPr lang="en-US" dirty="0"/>
           </a:p>
@@ -12104,7 +12104,7 @@
           <a:p>
             <a:fld id="{5958763E-B898-436D-883D-03711491D54A}" type="datetimeFigureOut">
               <a:rPr lang="en-US" smtClean="0"/>
-              <a:t>9/7/2022</a:t>
+              <a:t>9/4/2024</a:t>
             </a:fld>
             <a:endParaRPr lang="en-US"/>
           </a:p>
@@ -12228,7 +12228,7 @@
           <a:p>
             <a:fld id="{5958763E-B898-436D-883D-03711491D54A}" type="datetimeFigureOut">
               <a:rPr lang="en-US" smtClean="0"/>
-              <a:t>9/7/2022</a:t>
+              <a:t>9/4/2024</a:t>
             </a:fld>
             <a:endParaRPr lang="en-US"/>
           </a:p>
@@ -12352,7 +12352,7 @@
           <a:p>
             <a:fld id="{5958763E-B898-436D-883D-03711491D54A}" type="datetimeFigureOut">
               <a:rPr lang="en-US" smtClean="0"/>
-              <a:t>9/7/2022</a:t>
+              <a:t>9/4/2024</a:t>
             </a:fld>
             <a:endParaRPr lang="en-US"/>
           </a:p>
@@ -12476,7 +12476,7 @@
           <a:p>
             <a:fld id="{5958763E-B898-436D-883D-03711491D54A}" type="datetimeFigureOut">
               <a:rPr lang="en-US" smtClean="0"/>
-              <a:t>9/7/2022</a:t>
+              <a:t>9/4/2024</a:t>
             </a:fld>
             <a:endParaRPr lang="en-US"/>
           </a:p>
@@ -12600,7 +12600,7 @@
           <a:p>
             <a:fld id="{5958763E-B898-436D-883D-03711491D54A}" type="datetimeFigureOut">
               <a:rPr lang="en-US" smtClean="0"/>
-              <a:t>9/7/2022</a:t>
+              <a:t>9/4/2024</a:t>
             </a:fld>
             <a:endParaRPr lang="en-US"/>
           </a:p>
@@ -12724,7 +12724,7 @@
           <a:p>
             <a:fld id="{5958763E-B898-436D-883D-03711491D54A}" type="datetimeFigureOut">
               <a:rPr lang="en-US" smtClean="0"/>
-              <a:t>9/7/2022</a:t>
+              <a:t>9/4/2024</a:t>
             </a:fld>
             <a:endParaRPr lang="en-US"/>
           </a:p>
@@ -12848,7 +12848,7 @@
           <a:p>
             <a:fld id="{5958763E-B898-436D-883D-03711491D54A}" type="datetimeFigureOut">
               <a:rPr lang="en-US" smtClean="0"/>
-              <a:t>9/7/2022</a:t>
+              <a:t>9/4/2024</a:t>
             </a:fld>
             <a:endParaRPr lang="en-US"/>
           </a:p>
@@ -12972,7 +12972,7 @@
           <a:p>
             <a:fld id="{5958763E-B898-436D-883D-03711491D54A}" type="datetimeFigureOut">
               <a:rPr lang="en-US" smtClean="0"/>
-              <a:t>9/7/2022</a:t>
+              <a:t>9/4/2024</a:t>
             </a:fld>
             <a:endParaRPr lang="en-US"/>
           </a:p>
@@ -13105,7 +13105,7 @@
           <a:p>
             <a:fld id="{5958763E-B898-436D-883D-03711491D54A}" type="datetimeFigureOut">
               <a:rPr lang="en-US" smtClean="0"/>
-              <a:t>9/7/2022</a:t>
+              <a:t>9/4/2024</a:t>
             </a:fld>
             <a:endParaRPr lang="en-US"/>
           </a:p>
@@ -16444,7 +16444,7 @@
             <a:fld id="{1C2D31DE-C454-491C-B5C3-F097855E3DF7}" type="datetime4">
               <a:rPr lang="en-US" smtClean="0"/>
               <a:pPr/>
-              <a:t>September 7, 2022</a:t>
+              <a:t>September 4, 2024</a:t>
             </a:fld>
             <a:endParaRPr lang="en-US" dirty="0"/>
           </a:p>
@@ -28680,7 +28680,7 @@
           <a:p>
             <a:fld id="{5958763E-B898-436D-883D-03711491D54A}" type="datetimeFigureOut">
               <a:rPr lang="en-US" smtClean="0"/>
-              <a:t>9/7/2022</a:t>
+              <a:t>9/4/2024</a:t>
             </a:fld>
             <a:endParaRPr lang="en-US"/>
           </a:p>
@@ -29082,7 +29082,7 @@
           <a:p>
             <a:fld id="{5958763E-B898-436D-883D-03711491D54A}" type="datetimeFigureOut">
               <a:rPr lang="en-US" smtClean="0"/>
-              <a:t>9/7/2022</a:t>
+              <a:t>9/4/2024</a:t>
             </a:fld>
             <a:endParaRPr lang="en-US"/>
           </a:p>
@@ -29376,7 +29376,7 @@
           <a:p>
             <a:fld id="{5958763E-B898-436D-883D-03711491D54A}" type="datetimeFigureOut">
               <a:rPr lang="en-US" smtClean="0"/>
-              <a:t>9/7/2022</a:t>
+              <a:t>9/4/2024</a:t>
             </a:fld>
             <a:endParaRPr lang="en-US"/>
           </a:p>
@@ -29577,7 +29577,7 @@
           <a:p>
             <a:fld id="{5958763E-B898-436D-883D-03711491D54A}" type="datetimeFigureOut">
               <a:rPr lang="en-US" smtClean="0"/>
-              <a:t>9/7/2022</a:t>
+              <a:t>9/4/2024</a:t>
             </a:fld>
             <a:endParaRPr lang="en-US"/>
           </a:p>
@@ -29838,7 +29838,7 @@
           <a:p>
             <a:fld id="{5958763E-B898-436D-883D-03711491D54A}" type="datetimeFigureOut">
               <a:rPr lang="en-US" smtClean="0"/>
-              <a:t>9/7/2022</a:t>
+              <a:t>9/4/2024</a:t>
             </a:fld>
             <a:endParaRPr lang="en-US"/>
           </a:p>
@@ -30346,7 +30346,7 @@
           <a:p>
             <a:fld id="{5958763E-B898-436D-883D-03711491D54A}" type="datetimeFigureOut">
               <a:rPr lang="en-US" smtClean="0"/>
-              <a:t>9/7/2022</a:t>
+              <a:t>9/4/2024</a:t>
             </a:fld>
             <a:endParaRPr lang="en-US"/>
           </a:p>
@@ -30825,7 +30825,7 @@
           <a:p>
             <a:fld id="{5958763E-B898-436D-883D-03711491D54A}" type="datetimeFigureOut">
               <a:rPr lang="en-US" smtClean="0"/>
-              <a:t>9/7/2022</a:t>
+              <a:t>9/4/2024</a:t>
             </a:fld>
             <a:endParaRPr lang="en-US"/>
           </a:p>
@@ -31644,7 +31644,7 @@
           <a:p>
             <a:fld id="{5958763E-B898-436D-883D-03711491D54A}" type="datetimeFigureOut">
               <a:rPr lang="en-US" smtClean="0"/>
-              <a:t>9/7/2022</a:t>
+              <a:t>9/4/2024</a:t>
             </a:fld>
             <a:endParaRPr lang="en-US"/>
           </a:p>
@@ -31845,7 +31845,7 @@
           <a:p>
             <a:fld id="{5958763E-B898-436D-883D-03711491D54A}" type="datetimeFigureOut">
               <a:rPr lang="en-US" smtClean="0"/>
-              <a:t>9/7/2022</a:t>
+              <a:t>9/4/2024</a:t>
             </a:fld>
             <a:endParaRPr lang="en-US"/>
           </a:p>
@@ -32180,7 +32180,7 @@
           <a:p>
             <a:fld id="{5958763E-B898-436D-883D-03711491D54A}" type="datetimeFigureOut">
               <a:rPr lang="en-US" smtClean="0"/>
-              <a:t>9/7/2022</a:t>
+              <a:t>9/4/2024</a:t>
             </a:fld>
             <a:endParaRPr lang="en-US"/>
           </a:p>
@@ -32410,7 +32410,7 @@
           <a:p>
             <a:fld id="{5958763E-B898-436D-883D-03711491D54A}" type="datetimeFigureOut">
               <a:rPr lang="en-US" smtClean="0"/>
-              <a:t>9/7/2022</a:t>
+              <a:t>9/4/2024</a:t>
             </a:fld>
             <a:endParaRPr lang="en-US"/>
           </a:p>
@@ -32654,7 +32654,7 @@
           <a:p>
             <a:fld id="{5958763E-B898-436D-883D-03711491D54A}" type="datetimeFigureOut">
               <a:rPr lang="en-US" smtClean="0"/>
-              <a:t>9/7/2022</a:t>
+              <a:t>9/4/2024</a:t>
             </a:fld>
             <a:endParaRPr lang="en-US"/>
           </a:p>
@@ -37330,7 +37330,7 @@
               <a:rPr lang="en-US" sz="9600" dirty="0">
                 <a:hlinkClick r:id="rId3"/>
               </a:rPr>
-              <a:t>https://replit.com/@HylandOutreach/UpdateTextContent</a:t>
+              <a:t>https://jsfiddle.net/u279smhp/</a:t>
             </a:r>
             <a:endParaRPr lang="en-US" sz="9600" dirty="0"/>
           </a:p>
@@ -40576,7 +40576,13 @@
               <a:rPr lang="en-US" sz="9600" dirty="0">
                 <a:hlinkClick r:id="rId3"/>
               </a:rPr>
-              <a:t>https://replit.com/@HylandOutreach/CreateTextContent</a:t>
+              <a:t>https://jsfiddle.net/</a:t>
+            </a:r>
+            <a:r>
+              <a:rPr lang="en-US" sz="9600">
+                <a:hlinkClick r:id="rId3"/>
+              </a:rPr>
+              <a:t>n56o30xq/</a:t>
             </a:r>
             <a:endParaRPr lang="en-US" sz="9600" dirty="0"/>
           </a:p>
